--- a/01 Classes/Aula 03 RAD Python - input output de Dados Formatação e Estrutura de Sequencial.pptx
+++ b/01 Classes/Aula 03 RAD Python - input output de Dados Formatação e Estrutura de Sequencial.pptx
@@ -5358,7 +5358,47 @@
                 <a:effectLst/>
                 <a:latin typeface="arial" panose="020B0604020202020204" pitchFamily="34" charset="0"/>
               </a:rPr>
-              <a:t>: unsupported operand type(s) for +: 'int' and 'str'</a:t>
+              <a:t>: unsupported operand type(s) for +: </a:t>
+            </a:r>
+            <a:r>
+              <a:rPr lang="en-US" b="1" i="0" dirty="0">
+                <a:solidFill>
+                  <a:srgbClr val="202124"/>
+                </a:solidFill>
+                <a:effectLst/>
+                <a:latin typeface="arial" panose="020B0604020202020204" pitchFamily="34" charset="0"/>
+              </a:rPr>
+              <a:t>'int</a:t>
+            </a:r>
+            <a:r>
+              <a:rPr lang="en-US" b="0" i="0" dirty="0">
+                <a:solidFill>
+                  <a:srgbClr val="202124"/>
+                </a:solidFill>
+                <a:effectLst/>
+                <a:latin typeface="arial" panose="020B0604020202020204" pitchFamily="34" charset="0"/>
+              </a:rPr>
+              <a:t>' and </a:t>
+            </a:r>
+            <a:r>
+              <a:rPr lang="en-US" b="1" i="0" dirty="0">
+                <a:solidFill>
+                  <a:srgbClr val="202124"/>
+                </a:solidFill>
+                <a:effectLst/>
+                <a:latin typeface="arial" panose="020B0604020202020204" pitchFamily="34" charset="0"/>
+              </a:rPr>
+              <a:t>'str</a:t>
+            </a:r>
+            <a:r>
+              <a:rPr lang="en-US" b="0" i="0" dirty="0">
+                <a:solidFill>
+                  <a:srgbClr val="202124"/>
+                </a:solidFill>
+                <a:effectLst/>
+                <a:latin typeface="arial" panose="020B0604020202020204" pitchFamily="34" charset="0"/>
+              </a:rPr>
+              <a:t>'</a:t>
             </a:r>
             <a:endParaRPr lang="pt-BR" dirty="0">
               <a:solidFill>
@@ -8834,8 +8874,8 @@
         </p:nvSpPr>
         <p:spPr>
           <a:xfrm>
-            <a:off x="142865" y="1200151"/>
-            <a:ext cx="8865056" cy="3394472"/>
+            <a:off x="142865" y="1123950"/>
+            <a:ext cx="8865056" cy="3714749"/>
           </a:xfrm>
         </p:spPr>
         <p:txBody>
@@ -8847,7 +8887,27 @@
             <a:pPr marL="0" indent="0" algn="just">
               <a:buNone/>
             </a:pPr>
-            <a:endParaRPr lang="pt-BR" dirty="0">
+            <a:r>
+              <a:rPr lang="pt-BR" sz="2200" dirty="0">
+                <a:latin typeface="Times New Roman" panose="02020603050405020304" pitchFamily="18" charset="0"/>
+                <a:cs typeface="Times New Roman" panose="02020603050405020304" pitchFamily="18" charset="0"/>
+              </a:rPr>
+              <a:t>[1] Site:</a:t>
+            </a:r>
+          </a:p>
+          <a:p>
+            <a:pPr marL="0" indent="0" algn="just">
+              <a:buNone/>
+            </a:pPr>
+            <a:r>
+              <a:rPr lang="pt-BR" sz="2200" dirty="0">
+                <a:latin typeface="Times New Roman" panose="02020603050405020304" pitchFamily="18" charset="0"/>
+                <a:cs typeface="Times New Roman" panose="02020603050405020304" pitchFamily="18" charset="0"/>
+                <a:hlinkClick r:id="rId3"/>
+              </a:rPr>
+              <a:t>https://www.w3schools.com/python/python_variables_output.asp</a:t>
+            </a:r>
+            <a:endParaRPr lang="pt-BR" sz="2200" dirty="0">
               <a:latin typeface="Times New Roman" panose="02020603050405020304" pitchFamily="18" charset="0"/>
               <a:cs typeface="Times New Roman" panose="02020603050405020304" pitchFamily="18" charset="0"/>
             </a:endParaRPr>
@@ -8856,27 +8916,37 @@
             <a:pPr marL="0" indent="0" algn="just">
               <a:buNone/>
             </a:pPr>
-            <a:r>
-              <a:rPr lang="pt-BR" dirty="0">
-                <a:latin typeface="Times New Roman" panose="02020603050405020304" pitchFamily="18" charset="0"/>
-                <a:cs typeface="Times New Roman" panose="02020603050405020304" pitchFamily="18" charset="0"/>
-              </a:rPr>
-              <a:t>[1] Site:</a:t>
-            </a:r>
+            <a:endParaRPr lang="pt-BR" sz="2200" dirty="0">
+              <a:latin typeface="Times New Roman" panose="02020603050405020304" pitchFamily="18" charset="0"/>
+              <a:cs typeface="Times New Roman" panose="02020603050405020304" pitchFamily="18" charset="0"/>
+              <a:hlinkClick r:id="rId4"/>
+            </a:endParaRPr>
           </a:p>
           <a:p>
             <a:pPr marL="0" indent="0" algn="just">
               <a:buNone/>
             </a:pPr>
             <a:r>
-              <a:rPr lang="pt-BR" dirty="0">
-                <a:latin typeface="Times New Roman" panose="02020603050405020304" pitchFamily="18" charset="0"/>
-                <a:cs typeface="Times New Roman" panose="02020603050405020304" pitchFamily="18" charset="0"/>
-                <a:hlinkClick r:id="rId3"/>
-              </a:rPr>
-              <a:t>https://www.w3schools.com/python/python_variables_output.asp</a:t>
-            </a:r>
-            <a:endParaRPr lang="pt-BR" dirty="0">
+              <a:rPr lang="pt-BR" sz="2200" dirty="0">
+                <a:latin typeface="Times New Roman" panose="02020603050405020304" pitchFamily="18" charset="0"/>
+                <a:cs typeface="Times New Roman" panose="02020603050405020304" pitchFamily="18" charset="0"/>
+                <a:hlinkClick r:id="rId4"/>
+              </a:rPr>
+              <a:t>https://www.hashtagtreinamentos.com/estruturas-condicionais-no-python?gad=1&amp;gclid=Cj0KCQjw0bunBhD9ARIsAAZl0E0S7mLV8qZXM6TyYiBgGErp5v2P5MMo8-GXuCbrON_BdrKHSNVUfGwaAsOVEALw_wcB</a:t>
+            </a:r>
+            <a:r>
+              <a:rPr lang="pt-BR" sz="2200" dirty="0">
+                <a:latin typeface="Times New Roman" panose="02020603050405020304" pitchFamily="18" charset="0"/>
+                <a:cs typeface="Times New Roman" panose="02020603050405020304" pitchFamily="18" charset="0"/>
+              </a:rPr>
+              <a:t> </a:t>
+            </a:r>
+          </a:p>
+          <a:p>
+            <a:pPr marL="0" indent="0" algn="just">
+              <a:buNone/>
+            </a:pPr>
+            <a:endParaRPr lang="pt-BR" sz="2200" dirty="0">
               <a:latin typeface="Times New Roman" panose="02020603050405020304" pitchFamily="18" charset="0"/>
               <a:cs typeface="Times New Roman" panose="02020603050405020304" pitchFamily="18" charset="0"/>
             </a:endParaRPr>
@@ -8885,7 +8955,22 @@
             <a:pPr marL="0" indent="0" algn="just">
               <a:buNone/>
             </a:pPr>
-            <a:endParaRPr lang="pt-BR" dirty="0">
+            <a:r>
+              <a:rPr lang="pt-BR" sz="2200" dirty="0">
+                <a:latin typeface="Times New Roman" panose="02020603050405020304" pitchFamily="18" charset="0"/>
+                <a:cs typeface="Times New Roman" panose="02020603050405020304" pitchFamily="18" charset="0"/>
+              </a:rPr>
+              <a:t>[2] Site: </a:t>
+            </a:r>
+            <a:r>
+              <a:rPr lang="pt-BR" sz="2200" dirty="0">
+                <a:latin typeface="Times New Roman" panose="02020603050405020304" pitchFamily="18" charset="0"/>
+                <a:cs typeface="Times New Roman" panose="02020603050405020304" pitchFamily="18" charset="0"/>
+                <a:hlinkClick r:id="rId5"/>
+              </a:rPr>
+              <a:t>https://docs.python.org/pt-br/3/tutorial/</a:t>
+            </a:r>
+            <a:endParaRPr lang="pt-BR" sz="2200" dirty="0">
               <a:latin typeface="Times New Roman" panose="02020603050405020304" pitchFamily="18" charset="0"/>
               <a:cs typeface="Times New Roman" panose="02020603050405020304" pitchFamily="18" charset="0"/>
             </a:endParaRPr>
@@ -8894,22 +8979,7 @@
             <a:pPr marL="0" indent="0" algn="just">
               <a:buNone/>
             </a:pPr>
-            <a:r>
-              <a:rPr lang="pt-BR" dirty="0">
-                <a:latin typeface="Times New Roman" panose="02020603050405020304" pitchFamily="18" charset="0"/>
-                <a:cs typeface="Times New Roman" panose="02020603050405020304" pitchFamily="18" charset="0"/>
-              </a:rPr>
-              <a:t>[2] Site: </a:t>
-            </a:r>
-            <a:r>
-              <a:rPr lang="pt-BR" dirty="0">
-                <a:latin typeface="Times New Roman" panose="02020603050405020304" pitchFamily="18" charset="0"/>
-                <a:cs typeface="Times New Roman" panose="02020603050405020304" pitchFamily="18" charset="0"/>
-                <a:hlinkClick r:id="rId4"/>
-              </a:rPr>
-              <a:t>https://docs.python.org/pt-br/3/tutorial/</a:t>
-            </a:r>
-            <a:endParaRPr lang="pt-BR" dirty="0">
+            <a:endParaRPr lang="pt-BR" sz="2200" dirty="0">
               <a:latin typeface="Times New Roman" panose="02020603050405020304" pitchFamily="18" charset="0"/>
               <a:cs typeface="Times New Roman" panose="02020603050405020304" pitchFamily="18" charset="0"/>
             </a:endParaRPr>
@@ -8918,7 +8988,7 @@
             <a:pPr marL="0" indent="0" algn="just">
               <a:buNone/>
             </a:pPr>
-            <a:endParaRPr lang="pt-BR" dirty="0">
+            <a:endParaRPr lang="pt-BR" sz="2200" dirty="0">
               <a:latin typeface="Times New Roman" panose="02020603050405020304" pitchFamily="18" charset="0"/>
               <a:cs typeface="Times New Roman" panose="02020603050405020304" pitchFamily="18" charset="0"/>
             </a:endParaRPr>
@@ -8927,7 +8997,7 @@
             <a:pPr marL="0" indent="0" algn="just">
               <a:buNone/>
             </a:pPr>
-            <a:endParaRPr lang="pt-BR" dirty="0">
+            <a:endParaRPr lang="pt-BR" sz="2200" dirty="0">
               <a:latin typeface="Times New Roman" panose="02020603050405020304" pitchFamily="18" charset="0"/>
               <a:cs typeface="Times New Roman" panose="02020603050405020304" pitchFamily="18" charset="0"/>
             </a:endParaRPr>
@@ -8936,7 +9006,7 @@
             <a:pPr marL="0" indent="0" algn="just">
               <a:buNone/>
             </a:pPr>
-            <a:endParaRPr lang="pt-BR" dirty="0">
+            <a:endParaRPr lang="pt-BR" sz="2200" dirty="0">
               <a:latin typeface="Times New Roman" panose="02020603050405020304" pitchFamily="18" charset="0"/>
               <a:cs typeface="Times New Roman" panose="02020603050405020304" pitchFamily="18" charset="0"/>
             </a:endParaRPr>
@@ -8945,16 +9015,7 @@
             <a:pPr marL="0" indent="0" algn="just">
               <a:buNone/>
             </a:pPr>
-            <a:endParaRPr lang="pt-BR" dirty="0">
-              <a:latin typeface="Times New Roman" panose="02020603050405020304" pitchFamily="18" charset="0"/>
-              <a:cs typeface="Times New Roman" panose="02020603050405020304" pitchFamily="18" charset="0"/>
-            </a:endParaRPr>
-          </a:p>
-          <a:p>
-            <a:pPr marL="0" indent="0" algn="just">
-              <a:buNone/>
-            </a:pPr>
-            <a:endParaRPr lang="pt-BR" dirty="0">
+            <a:endParaRPr lang="pt-BR" sz="2200" dirty="0">
               <a:latin typeface="Calibri" panose="020F0502020204030204" pitchFamily="34" charset="0"/>
             </a:endParaRPr>
           </a:p>
@@ -9090,10 +9151,31 @@
             <a:pPr marL="0" indent="0" algn="just">
               <a:buNone/>
             </a:pPr>
-            <a:endParaRPr lang="pt-BR" sz="2000" dirty="0">
+            <a:endParaRPr lang="pt-BR" sz="2000">
               <a:latin typeface="Times New Roman" panose="02020603050405020304" pitchFamily="18" charset="0"/>
               <a:cs typeface="Times New Roman" panose="02020603050405020304" pitchFamily="18" charset="0"/>
+              <a:hlinkClick r:id="rId4"/>
             </a:endParaRPr>
+          </a:p>
+          <a:p>
+            <a:pPr marL="0" indent="0" algn="just">
+              <a:buNone/>
+            </a:pPr>
+            <a:r>
+              <a:rPr lang="pt-BR" sz="2000">
+                <a:latin typeface="Times New Roman" panose="02020603050405020304" pitchFamily="18" charset="0"/>
+                <a:cs typeface="Times New Roman" panose="02020603050405020304" pitchFamily="18" charset="0"/>
+                <a:hlinkClick r:id="rId4"/>
+              </a:rPr>
+              <a:t>https://www.hashtagtreinamentos.com/estruturas-condicionais-no-python?gad=1&amp;gclid=Cj0KCQjw0bunBhD9ARIsAAZl0E0S7mLV8qZXM6TyYiBgGErp5v2P5MMo8-GXuCbrON_BdrKHSNVUfGwaAsOVEALw_wcB</a:t>
+            </a:r>
+            <a:r>
+              <a:rPr lang="pt-BR" sz="2000">
+                <a:latin typeface="Times New Roman" panose="02020603050405020304" pitchFamily="18" charset="0"/>
+                <a:cs typeface="Times New Roman" panose="02020603050405020304" pitchFamily="18" charset="0"/>
+              </a:rPr>
+              <a:t> </a:t>
+            </a:r>
           </a:p>
           <a:p>
             <a:pPr marL="0" indent="0" algn="just">
@@ -9108,6 +9190,15 @@
             <a:pPr marL="0" indent="0" algn="just">
               <a:buNone/>
             </a:pPr>
+            <a:endParaRPr lang="pt-BR" sz="2000" dirty="0">
+              <a:latin typeface="Times New Roman" panose="02020603050405020304" pitchFamily="18" charset="0"/>
+              <a:cs typeface="Times New Roman" panose="02020603050405020304" pitchFamily="18" charset="0"/>
+            </a:endParaRPr>
+          </a:p>
+          <a:p>
+            <a:pPr marL="0" indent="0" algn="just">
+              <a:buNone/>
+            </a:pPr>
             <a:r>
               <a:rPr lang="pt-BR" sz="2000" dirty="0">
                 <a:latin typeface="Times New Roman" panose="02020603050405020304" pitchFamily="18" charset="0"/>
@@ -9119,7 +9210,7 @@
               <a:rPr lang="pt-BR" sz="2000" dirty="0">
                 <a:latin typeface="Times New Roman" panose="02020603050405020304" pitchFamily="18" charset="0"/>
                 <a:cs typeface="Times New Roman" panose="02020603050405020304" pitchFamily="18" charset="0"/>
-                <a:hlinkClick r:id="rId4"/>
+                <a:hlinkClick r:id="rId5"/>
               </a:rPr>
               <a:t>https://www.programiz.com/python-programming/examples/swap-variables</a:t>
             </a:r>
@@ -10537,7 +10628,7 @@
                 <a:latin typeface="Times New Roman" panose="02020603050405020304" pitchFamily="18" charset="0"/>
                 <a:cs typeface="Times New Roman" panose="02020603050405020304" pitchFamily="18" charset="0"/>
               </a:rPr>
-              <a:t>("Informe sua idade:");</a:t>
+              <a:t>("Informe sua idade:"));</a:t>
             </a:r>
           </a:p>
           <a:p>
@@ -10562,7 +10653,7 @@
                 <a:latin typeface="Times New Roman" panose="02020603050405020304" pitchFamily="18" charset="0"/>
                 <a:cs typeface="Times New Roman" panose="02020603050405020304" pitchFamily="18" charset="0"/>
               </a:rPr>
-              <a:t>("Meu nome é: " + idade);</a:t>
+              <a:t>("Meu nome é: “, idade);</a:t>
             </a:r>
           </a:p>
           <a:p>
@@ -10619,7 +10710,7 @@
                 <a:latin typeface="Times New Roman" panose="02020603050405020304" pitchFamily="18" charset="0"/>
                 <a:cs typeface="Times New Roman" panose="02020603050405020304" pitchFamily="18" charset="0"/>
               </a:rPr>
-              <a:t>("Informe o salário:");</a:t>
+              <a:t>("Informe o salário:"));</a:t>
             </a:r>
           </a:p>
           <a:p>
@@ -10644,7 +10735,7 @@
                 <a:latin typeface="Times New Roman" panose="02020603050405020304" pitchFamily="18" charset="0"/>
                 <a:cs typeface="Times New Roman" panose="02020603050405020304" pitchFamily="18" charset="0"/>
               </a:rPr>
-              <a:t>("Meu nome é: " + salario);</a:t>
+              <a:t>("Meu nome é: “, salario);</a:t>
             </a:r>
           </a:p>
           <a:p>

--- a/01 Classes/Aula 03 RAD Python - input output de Dados Formatação e Estrutura de Sequencial.pptx
+++ b/01 Classes/Aula 03 RAD Python - input output de Dados Formatação e Estrutura de Sequencial.pptx
@@ -5057,7 +5057,7 @@
                 <a:effectLst/>
                 <a:latin typeface="arial" panose="020B0604020202020204" pitchFamily="34" charset="0"/>
               </a:rPr>
-              <a:t>x = 15;</a:t>
+              <a:t>x = 15</a:t>
             </a:r>
           </a:p>
           <a:p>
@@ -5072,7 +5072,7 @@
                 <a:effectLst/>
                 <a:latin typeface="arial" panose="020B0604020202020204" pitchFamily="34" charset="0"/>
               </a:rPr>
-              <a:t>	y = 43;</a:t>
+              <a:t>	y = 43</a:t>
             </a:r>
           </a:p>
           <a:p>
@@ -5107,7 +5107,7 @@
                 <a:effectLst/>
                 <a:latin typeface="arial" panose="020B0604020202020204" pitchFamily="34" charset="0"/>
               </a:rPr>
-              <a:t>(x + y);</a:t>
+              <a:t>(x + y)</a:t>
             </a:r>
             <a:endParaRPr lang="pt-BR" dirty="0">
               <a:solidFill>
@@ -5288,7 +5288,7 @@
                 <a:effectLst/>
                 <a:latin typeface="arial" panose="020B0604020202020204" pitchFamily="34" charset="0"/>
               </a:rPr>
-              <a:t>x = 8;</a:t>
+              <a:t>x = 8</a:t>
             </a:r>
           </a:p>
           <a:p>
@@ -5303,7 +5303,7 @@
                 <a:effectLst/>
                 <a:latin typeface="arial" panose="020B0604020202020204" pitchFamily="34" charset="0"/>
               </a:rPr>
-              <a:t>	y = "Julia“;</a:t>
+              <a:t>	y = "Julia“</a:t>
             </a:r>
           </a:p>
           <a:p>
@@ -5338,7 +5338,7 @@
                 <a:effectLst/>
                 <a:latin typeface="arial" panose="020B0604020202020204" pitchFamily="34" charset="0"/>
               </a:rPr>
-              <a:t>(x + y); # </a:t>
+              <a:t>(x + y) # </a:t>
             </a:r>
             <a:r>
               <a:rPr lang="en-US" b="0" i="0" dirty="0" err="1">
@@ -5578,7 +5578,7 @@
                 <a:effectLst/>
                 <a:latin typeface="arial" panose="020B0604020202020204" pitchFamily="34" charset="0"/>
               </a:rPr>
-              <a:t>x = 8;</a:t>
+              <a:t>x = 8</a:t>
             </a:r>
           </a:p>
           <a:p>
@@ -5593,7 +5593,7 @@
                 <a:effectLst/>
                 <a:latin typeface="arial" panose="020B0604020202020204" pitchFamily="34" charset="0"/>
               </a:rPr>
-              <a:t>	y = "Julia“;</a:t>
+              <a:t>	y = "Julia“</a:t>
             </a:r>
           </a:p>
           <a:p>
@@ -5628,7 +5628,7 @@
                 <a:effectLst/>
                 <a:latin typeface="arial" panose="020B0604020202020204" pitchFamily="34" charset="0"/>
               </a:rPr>
-              <a:t>(x, y); # </a:t>
+              <a:t>(x, y) # </a:t>
             </a:r>
             <a:r>
               <a:rPr lang="es-ES" b="0" i="0" dirty="0" err="1">
@@ -5837,7 +5837,7 @@
                 <a:latin typeface="Times New Roman" panose="02020603050405020304" pitchFamily="18" charset="0"/>
                 <a:cs typeface="Times New Roman" panose="02020603050405020304" pitchFamily="18" charset="0"/>
               </a:rPr>
-              <a:t> é {} reais“;</a:t>
+              <a:t> é {} reais“</a:t>
             </a:r>
           </a:p>
           <a:p>
@@ -5902,7 +5902,7 @@
                 <a:latin typeface="Times New Roman" panose="02020603050405020304" pitchFamily="18" charset="0"/>
                 <a:cs typeface="Times New Roman" panose="02020603050405020304" pitchFamily="18" charset="0"/>
               </a:rPr>
-              <a:t>(valor));</a:t>
+              <a:t>(valor))</a:t>
             </a:r>
           </a:p>
           <a:p>
@@ -5961,7 +5961,7 @@
                 <a:latin typeface="Times New Roman" panose="02020603050405020304" pitchFamily="18" charset="0"/>
                 <a:cs typeface="Times New Roman" panose="02020603050405020304" pitchFamily="18" charset="0"/>
               </a:rPr>
-              <a:t>	valor = 35;</a:t>
+              <a:t>	valor = 35</a:t>
             </a:r>
           </a:p>
           <a:p>
@@ -6036,7 +6036,7 @@
                 <a:latin typeface="Times New Roman" panose="02020603050405020304" pitchFamily="18" charset="0"/>
                 <a:cs typeface="Times New Roman" panose="02020603050405020304" pitchFamily="18" charset="0"/>
               </a:rPr>
-              <a:t>(valor));</a:t>
+              <a:t>(valor))</a:t>
             </a:r>
             <a:endParaRPr lang="pt-BR" dirty="0">
               <a:solidFill>
@@ -6190,7 +6190,7 @@
                 <a:latin typeface="Times New Roman" panose="02020603050405020304" pitchFamily="18" charset="0"/>
                 <a:cs typeface="Times New Roman" panose="02020603050405020304" pitchFamily="18" charset="0"/>
               </a:rPr>
-              <a:t>	valor = 35.6;</a:t>
+              <a:t>	valor = 35.6</a:t>
             </a:r>
           </a:p>
           <a:p>
@@ -6275,7 +6275,7 @@
                 <a:latin typeface="Times New Roman" panose="02020603050405020304" pitchFamily="18" charset="0"/>
                 <a:cs typeface="Times New Roman" panose="02020603050405020304" pitchFamily="18" charset="0"/>
               </a:rPr>
-              <a:t>(valor));</a:t>
+              <a:t>(valor))</a:t>
             </a:r>
             <a:endParaRPr lang="pt-BR" dirty="0">
               <a:solidFill>
@@ -6441,7 +6441,7 @@
                 <a:latin typeface="Times New Roman" panose="02020603050405020304" pitchFamily="18" charset="0"/>
                 <a:cs typeface="Times New Roman" panose="02020603050405020304" pitchFamily="18" charset="0"/>
               </a:rPr>
-              <a:t>	qtd = 12;</a:t>
+              <a:t>	qtd = 12</a:t>
             </a:r>
           </a:p>
           <a:p>
@@ -6476,7 +6476,7 @@
                 <a:latin typeface="Times New Roman" panose="02020603050405020304" pitchFamily="18" charset="0"/>
                 <a:cs typeface="Times New Roman" panose="02020603050405020304" pitchFamily="18" charset="0"/>
               </a:rPr>
-              <a:t> = 135;</a:t>
+              <a:t> = 135</a:t>
             </a:r>
           </a:p>
           <a:p>
@@ -6511,7 +6511,7 @@
                 <a:latin typeface="Times New Roman" panose="02020603050405020304" pitchFamily="18" charset="0"/>
                 <a:cs typeface="Times New Roman" panose="02020603050405020304" pitchFamily="18" charset="0"/>
               </a:rPr>
-              <a:t> = 34;</a:t>
+              <a:t> = 34</a:t>
             </a:r>
           </a:p>
           <a:p>
@@ -6626,7 +6626,7 @@
                 <a:latin typeface="Times New Roman" panose="02020603050405020304" pitchFamily="18" charset="0"/>
                 <a:cs typeface="Times New Roman" panose="02020603050405020304" pitchFamily="18" charset="0"/>
               </a:rPr>
-              <a:t> {:.2f} reais.“;</a:t>
+              <a:t> {:.2f} reais.“</a:t>
             </a:r>
           </a:p>
           <a:p>
@@ -6731,7 +6731,7 @@
                 <a:latin typeface="Times New Roman" panose="02020603050405020304" pitchFamily="18" charset="0"/>
                 <a:cs typeface="Times New Roman" panose="02020603050405020304" pitchFamily="18" charset="0"/>
               </a:rPr>
-              <a:t>));</a:t>
+              <a:t>))</a:t>
             </a:r>
             <a:endParaRPr lang="pt-BR" dirty="0">
               <a:solidFill>
@@ -6885,7 +6885,7 @@
                 <a:latin typeface="Times New Roman" panose="02020603050405020304" pitchFamily="18" charset="0"/>
                 <a:cs typeface="Times New Roman" panose="02020603050405020304" pitchFamily="18" charset="0"/>
               </a:rPr>
-              <a:t>	qtd = 12;</a:t>
+              <a:t>	qtd = 12</a:t>
             </a:r>
           </a:p>
           <a:p>
@@ -6920,7 +6920,7 @@
                 <a:latin typeface="Times New Roman" panose="02020603050405020304" pitchFamily="18" charset="0"/>
                 <a:cs typeface="Times New Roman" panose="02020603050405020304" pitchFamily="18" charset="0"/>
               </a:rPr>
-              <a:t> = 135;</a:t>
+              <a:t> = 135</a:t>
             </a:r>
           </a:p>
           <a:p>
@@ -6955,7 +6955,7 @@
                 <a:latin typeface="Times New Roman" panose="02020603050405020304" pitchFamily="18" charset="0"/>
                 <a:cs typeface="Times New Roman" panose="02020603050405020304" pitchFamily="18" charset="0"/>
               </a:rPr>
-              <a:t> = 34;</a:t>
+              <a:t> = 34</a:t>
             </a:r>
           </a:p>
           <a:p>
@@ -7070,7 +7070,7 @@
                 <a:latin typeface="Times New Roman" panose="02020603050405020304" pitchFamily="18" charset="0"/>
                 <a:cs typeface="Times New Roman" panose="02020603050405020304" pitchFamily="18" charset="0"/>
               </a:rPr>
-              <a:t> {2:.2f} reais.’; # </a:t>
+              <a:t> {2:.2f} reais.’ # </a:t>
             </a:r>
             <a:r>
               <a:rPr lang="en-US" b="1" dirty="0">
@@ -7265,7 +7265,7 @@
                 <a:latin typeface="Times New Roman" panose="02020603050405020304" pitchFamily="18" charset="0"/>
                 <a:cs typeface="Times New Roman" panose="02020603050405020304" pitchFamily="18" charset="0"/>
               </a:rPr>
-              <a:t>));</a:t>
+              <a:t>))</a:t>
             </a:r>
             <a:endParaRPr lang="pt-BR" dirty="0">
               <a:solidFill>
@@ -7439,7 +7439,7 @@
                 <a:latin typeface="Times New Roman" panose="02020603050405020304" pitchFamily="18" charset="0"/>
                 <a:cs typeface="Times New Roman" panose="02020603050405020304" pitchFamily="18" charset="0"/>
               </a:rPr>
-              <a:t> = 25;</a:t>
+              <a:t> = 25</a:t>
             </a:r>
           </a:p>
           <a:p>
@@ -7474,7 +7474,7 @@
                 <a:latin typeface="Times New Roman" panose="02020603050405020304" pitchFamily="18" charset="0"/>
                 <a:cs typeface="Times New Roman" panose="02020603050405020304" pitchFamily="18" charset="0"/>
               </a:rPr>
-              <a:t> = "Julia“;</a:t>
+              <a:t> = "Julia“</a:t>
             </a:r>
           </a:p>
           <a:p>
@@ -7549,7 +7549,7 @@
                 <a:latin typeface="Times New Roman" panose="02020603050405020304" pitchFamily="18" charset="0"/>
                 <a:cs typeface="Times New Roman" panose="02020603050405020304" pitchFamily="18" charset="0"/>
               </a:rPr>
-              <a:t>.“;</a:t>
+              <a:t>.“</a:t>
             </a:r>
           </a:p>
           <a:p>
@@ -7644,7 +7644,7 @@
                 <a:latin typeface="Times New Roman" panose="02020603050405020304" pitchFamily="18" charset="0"/>
                 <a:cs typeface="Times New Roman" panose="02020603050405020304" pitchFamily="18" charset="0"/>
               </a:rPr>
-              <a:t>));</a:t>
+              <a:t>))</a:t>
             </a:r>
             <a:endParaRPr lang="pt-BR" dirty="0">
               <a:solidFill>
@@ -7893,7 +7893,7 @@
                 <a:latin typeface="Times New Roman" panose="02020603050405020304" pitchFamily="18" charset="0"/>
                 <a:cs typeface="Times New Roman" panose="02020603050405020304" pitchFamily="18" charset="0"/>
               </a:rPr>
-              <a:t>}.’;</a:t>
+              <a:t>}.’</a:t>
             </a:r>
           </a:p>
           <a:p>
@@ -7988,7 +7988,7 @@
                 <a:latin typeface="Times New Roman" panose="02020603050405020304" pitchFamily="18" charset="0"/>
                 <a:cs typeface="Times New Roman" panose="02020603050405020304" pitchFamily="18" charset="0"/>
               </a:rPr>
-              <a:t> = ‘Gol’));</a:t>
+              <a:t> = ‘Gol’))</a:t>
             </a:r>
             <a:endParaRPr lang="pt-BR" dirty="0">
               <a:solidFill>
@@ -8167,7 +8167,7 @@
                 <a:latin typeface="Times New Roman" panose="02020603050405020304" pitchFamily="18" charset="0"/>
                 <a:cs typeface="Times New Roman" panose="02020603050405020304" pitchFamily="18" charset="0"/>
               </a:rPr>
-              <a:t> = 17;</a:t>
+              <a:t> = 17</a:t>
             </a:r>
           </a:p>
           <a:p>
@@ -8212,7 +8212,7 @@
                 <a:latin typeface="Times New Roman" panose="02020603050405020304" pitchFamily="18" charset="0"/>
                 <a:cs typeface="Times New Roman" panose="02020603050405020304" pitchFamily="18" charset="0"/>
               </a:rPr>
-              <a:t>“;</a:t>
+              <a:t>“</a:t>
             </a:r>
           </a:p>
           <a:p>
@@ -8297,7 +8297,7 @@
                 <a:latin typeface="Times New Roman" panose="02020603050405020304" pitchFamily="18" charset="0"/>
                 <a:cs typeface="Times New Roman" panose="02020603050405020304" pitchFamily="18" charset="0"/>
               </a:rPr>
-              <a:t>}");</a:t>
+              <a:t>}")</a:t>
             </a:r>
           </a:p>
         </p:txBody>
@@ -10216,7 +10216,7 @@
                 <a:latin typeface="Times New Roman" panose="02020603050405020304" pitchFamily="18" charset="0"/>
                 <a:cs typeface="Times New Roman" panose="02020603050405020304" pitchFamily="18" charset="0"/>
               </a:rPr>
-              <a:t>("Hello, World!");</a:t>
+              <a:t>("Hello, World!")</a:t>
             </a:r>
           </a:p>
           <a:p>
@@ -10253,7 +10253,7 @@
                 <a:latin typeface="Times New Roman" panose="02020603050405020304" pitchFamily="18" charset="0"/>
                 <a:cs typeface="Times New Roman" panose="02020603050405020304" pitchFamily="18" charset="0"/>
               </a:rPr>
-              <a:t>("Hello, World!"); # </a:t>
+              <a:t>("Hello, World!") # </a:t>
             </a:r>
             <a:r>
               <a:rPr lang="en-US" dirty="0" err="1">
@@ -10471,7 +10471,7 @@
                 <a:latin typeface="Times New Roman" panose="02020603050405020304" pitchFamily="18" charset="0"/>
                 <a:cs typeface="Times New Roman" panose="02020603050405020304" pitchFamily="18" charset="0"/>
               </a:rPr>
-              <a:t>("Informe o nome:");</a:t>
+              <a:t>("Informe o nome:")</a:t>
             </a:r>
           </a:p>
           <a:p>
@@ -10496,7 +10496,7 @@
                 <a:latin typeface="Times New Roman" panose="02020603050405020304" pitchFamily="18" charset="0"/>
                 <a:cs typeface="Times New Roman" panose="02020603050405020304" pitchFamily="18" charset="0"/>
               </a:rPr>
-              <a:t>("Meu nome é: " + nome);</a:t>
+              <a:t>("Meu nome é: " + nome)</a:t>
             </a:r>
           </a:p>
         </p:txBody>
@@ -10628,7 +10628,7 @@
                 <a:latin typeface="Times New Roman" panose="02020603050405020304" pitchFamily="18" charset="0"/>
                 <a:cs typeface="Times New Roman" panose="02020603050405020304" pitchFamily="18" charset="0"/>
               </a:rPr>
-              <a:t>("Informe sua idade:"));</a:t>
+              <a:t>("Informe sua idade:"))</a:t>
             </a:r>
           </a:p>
           <a:p>
@@ -10653,7 +10653,7 @@
                 <a:latin typeface="Times New Roman" panose="02020603050405020304" pitchFamily="18" charset="0"/>
                 <a:cs typeface="Times New Roman" panose="02020603050405020304" pitchFamily="18" charset="0"/>
               </a:rPr>
-              <a:t>("Meu nome é: “, idade);</a:t>
+              <a:t>("Meu nome é: “, idade)</a:t>
             </a:r>
           </a:p>
           <a:p>
@@ -10710,7 +10710,7 @@
                 <a:latin typeface="Times New Roman" panose="02020603050405020304" pitchFamily="18" charset="0"/>
                 <a:cs typeface="Times New Roman" panose="02020603050405020304" pitchFamily="18" charset="0"/>
               </a:rPr>
-              <a:t>("Informe o salário:"));</a:t>
+              <a:t>("Informe o salário:"))</a:t>
             </a:r>
           </a:p>
           <a:p>
@@ -10735,7 +10735,7 @@
                 <a:latin typeface="Times New Roman" panose="02020603050405020304" pitchFamily="18" charset="0"/>
                 <a:cs typeface="Times New Roman" panose="02020603050405020304" pitchFamily="18" charset="0"/>
               </a:rPr>
-              <a:t>("Meu nome é: “, salario);</a:t>
+              <a:t>("Meu nome é: “, salario)</a:t>
             </a:r>
           </a:p>
           <a:p>
@@ -11095,7 +11095,7 @@
                 <a:effectLst/>
                 <a:latin typeface="arial" panose="020B0604020202020204" pitchFamily="34" charset="0"/>
               </a:rPr>
-              <a:t>x = "Python é incrível“;</a:t>
+              <a:t>x = "Python é incrível“</a:t>
             </a:r>
           </a:p>
           <a:p>
@@ -11129,7 +11129,7 @@
                 <a:effectLst/>
                 <a:latin typeface="arial" panose="020B0604020202020204" pitchFamily="34" charset="0"/>
               </a:rPr>
-              <a:t>(x);</a:t>
+              <a:t>(x)</a:t>
             </a:r>
             <a:endParaRPr lang="it-IT" dirty="0">
               <a:solidFill>
@@ -11322,7 +11322,7 @@
                 <a:effectLst/>
                 <a:latin typeface="arial" panose="020B0604020202020204" pitchFamily="34" charset="0"/>
               </a:rPr>
-              <a:t>x = "Python“;</a:t>
+              <a:t>x = "Python“</a:t>
             </a:r>
           </a:p>
           <a:p>
@@ -11337,7 +11337,7 @@
                 <a:effectLst/>
                 <a:latin typeface="arial" panose="020B0604020202020204" pitchFamily="34" charset="0"/>
               </a:rPr>
-              <a:t>	y = “é“;</a:t>
+              <a:t>	y = “é“</a:t>
             </a:r>
           </a:p>
           <a:p>
@@ -11352,7 +11352,7 @@
                 <a:effectLst/>
                 <a:latin typeface="arial" panose="020B0604020202020204" pitchFamily="34" charset="0"/>
               </a:rPr>
-              <a:t>	z = “incrível“;</a:t>
+              <a:t>	z = “incrível“</a:t>
             </a:r>
           </a:p>
           <a:p>
@@ -11387,7 +11387,7 @@
                 <a:effectLst/>
                 <a:latin typeface="arial" panose="020B0604020202020204" pitchFamily="34" charset="0"/>
               </a:rPr>
-              <a:t>(x, y, z);</a:t>
+              <a:t>(x, y, z)</a:t>
             </a:r>
             <a:endParaRPr lang="pt-BR" dirty="0">
               <a:solidFill>
@@ -11568,7 +11568,7 @@
                 <a:effectLst/>
                 <a:latin typeface="arial" panose="020B0604020202020204" pitchFamily="34" charset="0"/>
               </a:rPr>
-              <a:t>x = "Python“;</a:t>
+              <a:t>x = "Python“</a:t>
             </a:r>
           </a:p>
           <a:p>
@@ -11583,7 +11583,7 @@
                 <a:effectLst/>
                 <a:latin typeface="arial" panose="020B0604020202020204" pitchFamily="34" charset="0"/>
               </a:rPr>
-              <a:t>	y = “é“;</a:t>
+              <a:t>	y = “é“</a:t>
             </a:r>
           </a:p>
           <a:p>
@@ -11598,7 +11598,7 @@
                 <a:effectLst/>
                 <a:latin typeface="arial" panose="020B0604020202020204" pitchFamily="34" charset="0"/>
               </a:rPr>
-              <a:t>	z = “incrível“;</a:t>
+              <a:t>	z = “incrível“</a:t>
             </a:r>
           </a:p>
           <a:p>
@@ -11633,7 +11633,7 @@
                 <a:effectLst/>
                 <a:latin typeface="arial" panose="020B0604020202020204" pitchFamily="34" charset="0"/>
               </a:rPr>
-              <a:t>(x + y + z);</a:t>
+              <a:t>(x + y + z)</a:t>
             </a:r>
             <a:endParaRPr lang="pt-BR" dirty="0">
               <a:solidFill>
